--- a/git-commit-code-review/git-part-ii.pptx
+++ b/git-commit-code-review/git-part-ii.pptx
@@ -49,6 +49,7 @@
     <p:sldId id="286" r:id="rId43"/>
     <p:sldId id="287" r:id="rId44"/>
     <p:sldId id="288" r:id="rId45"/>
+    <p:sldId id="302" r:id="rId46"/>
   </p:sldIdLst>
   <p:sldSz cx="12192000" cy="6858000"/>
   <p:notesSz cx="6858000" cy="9144000"/>
@@ -147,6 +148,11 @@
       </a:defRPr>
     </a:lvl9pPr>
   </p:defaultTextStyle>
+  <p:extLst>
+    <p:ext uri="{EFAFB233-063F-42B5-8137-9DF3F51BA10A}">
+      <p15:sldGuideLst xmlns:p15="http://schemas.microsoft.com/office/powerpoint/2012/main"/>
+    </p:ext>
+  </p:extLst>
 </p:presentation>
 </file>
 
@@ -281,7 +287,7 @@
           <a:p>
             <a:fld id="{ABDB6097-0600-478C-B330-3ABB8A070687}" type="datetimeFigureOut">
               <a:rPr lang="en-US" smtClean="0"/>
-              <a:t>8/19/2015</a:t>
+              <a:t>8/20/2015</a:t>
             </a:fld>
             <a:endParaRPr lang="en-US"/>
           </a:p>
@@ -451,7 +457,7 @@
           <a:p>
             <a:fld id="{ABDB6097-0600-478C-B330-3ABB8A070687}" type="datetimeFigureOut">
               <a:rPr lang="en-US" smtClean="0"/>
-              <a:t>8/19/2015</a:t>
+              <a:t>8/20/2015</a:t>
             </a:fld>
             <a:endParaRPr lang="en-US"/>
           </a:p>
@@ -631,7 +637,7 @@
           <a:p>
             <a:fld id="{ABDB6097-0600-478C-B330-3ABB8A070687}" type="datetimeFigureOut">
               <a:rPr lang="en-US" smtClean="0"/>
-              <a:t>8/19/2015</a:t>
+              <a:t>8/20/2015</a:t>
             </a:fld>
             <a:endParaRPr lang="en-US"/>
           </a:p>
@@ -801,7 +807,7 @@
           <a:p>
             <a:fld id="{ABDB6097-0600-478C-B330-3ABB8A070687}" type="datetimeFigureOut">
               <a:rPr lang="en-US" smtClean="0"/>
-              <a:t>8/19/2015</a:t>
+              <a:t>8/20/2015</a:t>
             </a:fld>
             <a:endParaRPr lang="en-US"/>
           </a:p>
@@ -1047,7 +1053,7 @@
           <a:p>
             <a:fld id="{ABDB6097-0600-478C-B330-3ABB8A070687}" type="datetimeFigureOut">
               <a:rPr lang="en-US" smtClean="0"/>
-              <a:t>8/19/2015</a:t>
+              <a:t>8/20/2015</a:t>
             </a:fld>
             <a:endParaRPr lang="en-US"/>
           </a:p>
@@ -1279,7 +1285,7 @@
           <a:p>
             <a:fld id="{ABDB6097-0600-478C-B330-3ABB8A070687}" type="datetimeFigureOut">
               <a:rPr lang="en-US" smtClean="0"/>
-              <a:t>8/19/2015</a:t>
+              <a:t>8/20/2015</a:t>
             </a:fld>
             <a:endParaRPr lang="en-US"/>
           </a:p>
@@ -1646,7 +1652,7 @@
           <a:p>
             <a:fld id="{ABDB6097-0600-478C-B330-3ABB8A070687}" type="datetimeFigureOut">
               <a:rPr lang="en-US" smtClean="0"/>
-              <a:t>8/19/2015</a:t>
+              <a:t>8/20/2015</a:t>
             </a:fld>
             <a:endParaRPr lang="en-US"/>
           </a:p>
@@ -1764,7 +1770,7 @@
           <a:p>
             <a:fld id="{ABDB6097-0600-478C-B330-3ABB8A070687}" type="datetimeFigureOut">
               <a:rPr lang="en-US" smtClean="0"/>
-              <a:t>8/19/2015</a:t>
+              <a:t>8/20/2015</a:t>
             </a:fld>
             <a:endParaRPr lang="en-US"/>
           </a:p>
@@ -1859,7 +1865,7 @@
           <a:p>
             <a:fld id="{ABDB6097-0600-478C-B330-3ABB8A070687}" type="datetimeFigureOut">
               <a:rPr lang="en-US" smtClean="0"/>
-              <a:t>8/19/2015</a:t>
+              <a:t>8/20/2015</a:t>
             </a:fld>
             <a:endParaRPr lang="en-US"/>
           </a:p>
@@ -2136,7 +2142,7 @@
           <a:p>
             <a:fld id="{ABDB6097-0600-478C-B330-3ABB8A070687}" type="datetimeFigureOut">
               <a:rPr lang="en-US" smtClean="0"/>
-              <a:t>8/19/2015</a:t>
+              <a:t>8/20/2015</a:t>
             </a:fld>
             <a:endParaRPr lang="en-US"/>
           </a:p>
@@ -2389,7 +2395,7 @@
           <a:p>
             <a:fld id="{ABDB6097-0600-478C-B330-3ABB8A070687}" type="datetimeFigureOut">
               <a:rPr lang="en-US" smtClean="0"/>
-              <a:t>8/19/2015</a:t>
+              <a:t>8/20/2015</a:t>
             </a:fld>
             <a:endParaRPr lang="en-US"/>
           </a:p>
@@ -2602,7 +2608,7 @@
           <a:p>
             <a:fld id="{ABDB6097-0600-478C-B330-3ABB8A070687}" type="datetimeFigureOut">
               <a:rPr lang="en-US" smtClean="0"/>
-              <a:t>8/19/2015</a:t>
+              <a:t>8/20/2015</a:t>
             </a:fld>
             <a:endParaRPr lang="en-US"/>
           </a:p>
@@ -13924,6 +13930,123 @@
 </p:sld>
 </file>
 
+<file path=ppt/slides/slide45.xml><?xml version="1.0" encoding="utf-8"?>
+<p:sld xmlns:a="http://schemas.openxmlformats.org/drawingml/2006/main" xmlns:r="http://schemas.openxmlformats.org/officeDocument/2006/relationships" xmlns:p="http://schemas.openxmlformats.org/presentationml/2006/main">
+  <p:cSld>
+    <p:spTree>
+      <p:nvGrpSpPr>
+        <p:cNvPr id="1" name=""/>
+        <p:cNvGrpSpPr/>
+        <p:nvPr/>
+      </p:nvGrpSpPr>
+      <p:grpSpPr>
+        <a:xfrm>
+          <a:off x="0" y="0"/>
+          <a:ext cx="0" cy="0"/>
+          <a:chOff x="0" y="0"/>
+          <a:chExt cx="0" cy="0"/>
+        </a:xfrm>
+      </p:grpSpPr>
+      <p:sp>
+        <p:nvSpPr>
+          <p:cNvPr id="2" name="Title 1"/>
+          <p:cNvSpPr>
+            <a:spLocks noGrp="1"/>
+          </p:cNvSpPr>
+          <p:nvPr>
+            <p:ph type="title"/>
+          </p:nvPr>
+        </p:nvSpPr>
+        <p:spPr/>
+        <p:txBody>
+          <a:bodyPr/>
+          <a:lstStyle/>
+          <a:p>
+            <a:endParaRPr lang="en-US"/>
+          </a:p>
+        </p:txBody>
+      </p:sp>
+      <p:sp>
+        <p:nvSpPr>
+          <p:cNvPr id="3" name="Content Placeholder 2"/>
+          <p:cNvSpPr>
+            <a:spLocks noGrp="1"/>
+          </p:cNvSpPr>
+          <p:nvPr>
+            <p:ph idx="1"/>
+          </p:nvPr>
+        </p:nvSpPr>
+        <p:spPr/>
+        <p:txBody>
+          <a:bodyPr/>
+          <a:lstStyle/>
+          <a:p>
+            <a:r>
+              <a:rPr lang="ru-RU" dirty="0" smtClean="0"/>
+              <a:t>Не гитом единым</a:t>
+            </a:r>
+          </a:p>
+          <a:p>
+            <a:endParaRPr lang="ru-RU" dirty="0"/>
+          </a:p>
+          <a:p>
+            <a:r>
+              <a:rPr lang="ru-RU" dirty="0" err="1" smtClean="0"/>
+              <a:t>tfs</a:t>
+            </a:r>
+            <a:r>
+              <a:rPr lang="ru-RU" dirty="0" smtClean="0"/>
+              <a:t>,  </a:t>
+            </a:r>
+            <a:r>
+              <a:rPr lang="ru-RU" dirty="0" err="1" smtClean="0"/>
+              <a:t>commitы</a:t>
+            </a:r>
+            <a:r>
+              <a:rPr lang="ru-RU" dirty="0" smtClean="0"/>
+              <a:t> в несколько веток и </a:t>
+            </a:r>
+            <a:r>
+              <a:rPr lang="ru-RU" dirty="0" err="1" smtClean="0"/>
+              <a:t>тд</a:t>
+            </a:r>
+            <a:endParaRPr lang="ru-RU" dirty="0" smtClean="0"/>
+          </a:p>
+          <a:p>
+            <a:r>
+              <a:rPr lang="ru-RU" dirty="0" smtClean="0"/>
+              <a:t>Разные подходы</a:t>
+            </a:r>
+          </a:p>
+          <a:p>
+            <a:r>
+              <a:rPr lang="ru-RU" dirty="0" smtClean="0"/>
+              <a:t>Кроме самых простых</a:t>
+            </a:r>
+            <a:endParaRPr lang="en-US" dirty="0"/>
+          </a:p>
+        </p:txBody>
+      </p:sp>
+    </p:spTree>
+    <p:extLst>
+      <p:ext uri="{BB962C8B-B14F-4D97-AF65-F5344CB8AC3E}">
+        <p14:creationId xmlns:p14="http://schemas.microsoft.com/office/powerpoint/2010/main" val="724608105"/>
+      </p:ext>
+    </p:extLst>
+  </p:cSld>
+  <p:clrMapOvr>
+    <a:masterClrMapping/>
+  </p:clrMapOvr>
+  <p:timing>
+    <p:tnLst>
+      <p:par>
+        <p:cTn id="1" dur="indefinite" restart="never" nodeType="tmRoot"/>
+      </p:par>
+    </p:tnLst>
+  </p:timing>
+</p:sld>
+</file>
+
 <file path=ppt/slides/slide5.xml><?xml version="1.0" encoding="utf-8"?>
 <p:sld xmlns:a="http://schemas.openxmlformats.org/drawingml/2006/main" xmlns:r="http://schemas.openxmlformats.org/officeDocument/2006/relationships" xmlns:p="http://schemas.openxmlformats.org/presentationml/2006/main">
   <p:cSld>
